--- a/유경_로고.pptx
+++ b/유경_로고.pptx
@@ -294,7 +294,7 @@
           <a:p>
             <a:fld id="{C5A52658-7BEB-C748-A14A-45B9B0BBA80C}" type="datetimeFigureOut">
               <a:rPr kumimoji="1" lang="ko-Kore-KR" altLang="en-US" smtClean="0"/>
-              <a:t>2022. 7. 19.</a:t>
+              <a:t>2022. 7. 20.</a:t>
             </a:fld>
             <a:endParaRPr kumimoji="1" lang="ko-Kore-KR" altLang="en-US"/>
           </a:p>
@@ -494,7 +494,7 @@
           <a:p>
             <a:fld id="{C5A52658-7BEB-C748-A14A-45B9B0BBA80C}" type="datetimeFigureOut">
               <a:rPr kumimoji="1" lang="ko-Kore-KR" altLang="en-US" smtClean="0"/>
-              <a:t>2022. 7. 19.</a:t>
+              <a:t>2022. 7. 20.</a:t>
             </a:fld>
             <a:endParaRPr kumimoji="1" lang="ko-Kore-KR" altLang="en-US"/>
           </a:p>
@@ -704,7 +704,7 @@
           <a:p>
             <a:fld id="{C5A52658-7BEB-C748-A14A-45B9B0BBA80C}" type="datetimeFigureOut">
               <a:rPr kumimoji="1" lang="ko-Kore-KR" altLang="en-US" smtClean="0"/>
-              <a:t>2022. 7. 19.</a:t>
+              <a:t>2022. 7. 20.</a:t>
             </a:fld>
             <a:endParaRPr kumimoji="1" lang="ko-Kore-KR" altLang="en-US"/>
           </a:p>
@@ -904,7 +904,7 @@
           <a:p>
             <a:fld id="{C5A52658-7BEB-C748-A14A-45B9B0BBA80C}" type="datetimeFigureOut">
               <a:rPr kumimoji="1" lang="ko-Kore-KR" altLang="en-US" smtClean="0"/>
-              <a:t>2022. 7. 19.</a:t>
+              <a:t>2022. 7. 20.</a:t>
             </a:fld>
             <a:endParaRPr kumimoji="1" lang="ko-Kore-KR" altLang="en-US"/>
           </a:p>
@@ -1180,7 +1180,7 @@
           <a:p>
             <a:fld id="{C5A52658-7BEB-C748-A14A-45B9B0BBA80C}" type="datetimeFigureOut">
               <a:rPr kumimoji="1" lang="ko-Kore-KR" altLang="en-US" smtClean="0"/>
-              <a:t>2022. 7. 19.</a:t>
+              <a:t>2022. 7. 20.</a:t>
             </a:fld>
             <a:endParaRPr kumimoji="1" lang="ko-Kore-KR" altLang="en-US"/>
           </a:p>
@@ -1448,7 +1448,7 @@
           <a:p>
             <a:fld id="{C5A52658-7BEB-C748-A14A-45B9B0BBA80C}" type="datetimeFigureOut">
               <a:rPr kumimoji="1" lang="ko-Kore-KR" altLang="en-US" smtClean="0"/>
-              <a:t>2022. 7. 19.</a:t>
+              <a:t>2022. 7. 20.</a:t>
             </a:fld>
             <a:endParaRPr kumimoji="1" lang="ko-Kore-KR" altLang="en-US"/>
           </a:p>
@@ -1863,7 +1863,7 @@
           <a:p>
             <a:fld id="{C5A52658-7BEB-C748-A14A-45B9B0BBA80C}" type="datetimeFigureOut">
               <a:rPr kumimoji="1" lang="ko-Kore-KR" altLang="en-US" smtClean="0"/>
-              <a:t>2022. 7. 19.</a:t>
+              <a:t>2022. 7. 20.</a:t>
             </a:fld>
             <a:endParaRPr kumimoji="1" lang="ko-Kore-KR" altLang="en-US"/>
           </a:p>
@@ -2005,7 +2005,7 @@
           <a:p>
             <a:fld id="{C5A52658-7BEB-C748-A14A-45B9B0BBA80C}" type="datetimeFigureOut">
               <a:rPr kumimoji="1" lang="ko-Kore-KR" altLang="en-US" smtClean="0"/>
-              <a:t>2022. 7. 19.</a:t>
+              <a:t>2022. 7. 20.</a:t>
             </a:fld>
             <a:endParaRPr kumimoji="1" lang="ko-Kore-KR" altLang="en-US"/>
           </a:p>
@@ -2118,7 +2118,7 @@
           <a:p>
             <a:fld id="{C5A52658-7BEB-C748-A14A-45B9B0BBA80C}" type="datetimeFigureOut">
               <a:rPr kumimoji="1" lang="ko-Kore-KR" altLang="en-US" smtClean="0"/>
-              <a:t>2022. 7. 19.</a:t>
+              <a:t>2022. 7. 20.</a:t>
             </a:fld>
             <a:endParaRPr kumimoji="1" lang="ko-Kore-KR" altLang="en-US"/>
           </a:p>
@@ -2431,7 +2431,7 @@
           <a:p>
             <a:fld id="{C5A52658-7BEB-C748-A14A-45B9B0BBA80C}" type="datetimeFigureOut">
               <a:rPr kumimoji="1" lang="ko-Kore-KR" altLang="en-US" smtClean="0"/>
-              <a:t>2022. 7. 19.</a:t>
+              <a:t>2022. 7. 20.</a:t>
             </a:fld>
             <a:endParaRPr kumimoji="1" lang="ko-Kore-KR" altLang="en-US"/>
           </a:p>
@@ -2720,7 +2720,7 @@
           <a:p>
             <a:fld id="{C5A52658-7BEB-C748-A14A-45B9B0BBA80C}" type="datetimeFigureOut">
               <a:rPr kumimoji="1" lang="ko-Kore-KR" altLang="en-US" smtClean="0"/>
-              <a:t>2022. 7. 19.</a:t>
+              <a:t>2022. 7. 20.</a:t>
             </a:fld>
             <a:endParaRPr kumimoji="1" lang="ko-Kore-KR" altLang="en-US"/>
           </a:p>
@@ -2963,7 +2963,7 @@
           <a:p>
             <a:fld id="{C5A52658-7BEB-C748-A14A-45B9B0BBA80C}" type="datetimeFigureOut">
               <a:rPr kumimoji="1" lang="ko-Kore-KR" altLang="en-US" smtClean="0"/>
-              <a:t>2022. 7. 19.</a:t>
+              <a:t>2022. 7. 20.</a:t>
             </a:fld>
             <a:endParaRPr kumimoji="1" lang="ko-Kore-KR" altLang="en-US"/>
           </a:p>

--- a/유경_로고.pptx
+++ b/유경_로고.pptx
@@ -10,25 +10,27 @@
     <p:sldId id="258" r:id="rId4"/>
     <p:sldId id="259" r:id="rId5"/>
     <p:sldId id="260" r:id="rId6"/>
+    <p:sldId id="261" r:id="rId7"/>
+    <p:sldId id="262" r:id="rId8"/>
   </p:sldIdLst>
   <p:sldSz cx="12192000" cy="6858000"/>
   <p:notesSz cx="6858000" cy="9144000"/>
   <p:embeddedFontLst>
     <p:embeddedFont>
       <p:font typeface="Hancom MalangMalang Regular" panose="020F0303000000000000" pitchFamily="34" charset="-127"/>
-      <p:regular r:id="rId7"/>
+      <p:regular r:id="rId9"/>
     </p:embeddedFont>
     <p:embeddedFont>
       <p:font typeface="Calibri" panose="020F0502020204030204" pitchFamily="34" charset="0"/>
-      <p:regular r:id="rId8"/>
-      <p:bold r:id="rId9"/>
-      <p:italic r:id="rId10"/>
-      <p:boldItalic r:id="rId11"/>
+      <p:regular r:id="rId10"/>
+      <p:bold r:id="rId11"/>
+      <p:italic r:id="rId12"/>
+      <p:boldItalic r:id="rId13"/>
     </p:embeddedFont>
     <p:embeddedFont>
       <p:font typeface="Calibri Light" panose="020F0302020204030204" pitchFamily="34" charset="0"/>
-      <p:regular r:id="rId12"/>
-      <p:italic r:id="rId13"/>
+      <p:regular r:id="rId14"/>
+      <p:italic r:id="rId15"/>
     </p:embeddedFont>
   </p:embeddedFontLst>
   <p:defaultTextStyle>
@@ -4361,33 +4363,745 @@
       </p:grpSpPr>
       <p:sp>
         <p:nvSpPr>
-          <p:cNvPr id="3" name="내용 개체 틀 2">
-            <a:extLst>
-              <a:ext uri="{FF2B5EF4-FFF2-40B4-BE49-F238E27FC236}">
-                <a16:creationId xmlns:a16="http://schemas.microsoft.com/office/drawing/2014/main" id="{C9DDE01E-FA01-4B50-3AB8-4D433D21DEC7}"/>
-              </a:ext>
-            </a:extLst>
-          </p:cNvPr>
-          <p:cNvSpPr>
-            <a:spLocks noGrp="1"/>
-          </p:cNvSpPr>
-          <p:nvPr>
-            <p:ph idx="1"/>
-          </p:nvPr>
-        </p:nvSpPr>
-        <p:spPr/>
-        <p:txBody>
-          <a:bodyPr/>
+          <p:cNvPr id="4" name="TextBox 3">
+            <a:extLst>
+              <a:ext uri="{FF2B5EF4-FFF2-40B4-BE49-F238E27FC236}">
+                <a16:creationId xmlns:a16="http://schemas.microsoft.com/office/drawing/2014/main" id="{69744FA8-373D-6935-BA6B-EEFEBAFD25ED}"/>
+              </a:ext>
+            </a:extLst>
+          </p:cNvPr>
+          <p:cNvSpPr txBox="1"/>
+          <p:nvPr/>
+        </p:nvSpPr>
+        <p:spPr>
+          <a:xfrm>
+            <a:off x="1726320" y="316925"/>
+            <a:ext cx="6099586" cy="1200329"/>
+          </a:xfrm>
+          <a:prstGeom prst="rect">
+            <a:avLst/>
+          </a:prstGeom>
+          <a:noFill/>
+        </p:spPr>
+        <p:txBody>
+          <a:bodyPr wrap="square">
+            <a:spAutoFit/>
+          </a:bodyPr>
           <a:lstStyle/>
           <a:p>
-            <a:endParaRPr kumimoji="1" lang="ko-Kore-KR" altLang="en-US"/>
-          </a:p>
-        </p:txBody>
-      </p:sp>
+            <a:r>
+              <a:rPr lang="ko-Kore-KR" altLang="en-US" dirty="0"/>
+              <a:t>경상도</a:t>
+            </a:r>
+          </a:p>
+          <a:p>
+            <a:r>
+              <a:rPr lang="ko-Kore-KR" altLang="en-US" dirty="0"/>
+              <a:t>머라카노 - 뭐라고</a:t>
+            </a:r>
+          </a:p>
+          <a:p>
+            <a:r>
+              <a:rPr lang="ko-Kore-KR" altLang="en-US" dirty="0"/>
+              <a:t>만다꼬, 만다그라노 - 뭐한다고</a:t>
+            </a:r>
+          </a:p>
+          <a:p>
+            <a:r>
+              <a:rPr lang="ko-Kore-KR" altLang="en-US" dirty="0"/>
+              <a:t>우야꼬, 우짜고 - 어떻게 할까, 어찌할까</a:t>
+            </a:r>
+          </a:p>
+        </p:txBody>
+      </p:sp>
+      <p:grpSp>
+        <p:nvGrpSpPr>
+          <p:cNvPr id="5" name="그룹 4">
+            <a:extLst>
+              <a:ext uri="{FF2B5EF4-FFF2-40B4-BE49-F238E27FC236}">
+                <a16:creationId xmlns:a16="http://schemas.microsoft.com/office/drawing/2014/main" id="{FE0E912F-91A1-879E-1C20-40CB4572174E}"/>
+              </a:ext>
+            </a:extLst>
+          </p:cNvPr>
+          <p:cNvGrpSpPr/>
+          <p:nvPr/>
+        </p:nvGrpSpPr>
+        <p:grpSpPr>
+          <a:xfrm>
+            <a:off x="4233058" y="1629000"/>
+            <a:ext cx="3725883" cy="3600000"/>
+            <a:chOff x="4233058" y="1629000"/>
+            <a:chExt cx="3725883" cy="3600000"/>
+          </a:xfrm>
+        </p:grpSpPr>
+        <p:sp>
+          <p:nvSpPr>
+            <p:cNvPr id="6" name="모서리가 둥근 직사각형 5">
+              <a:extLst>
+                <a:ext uri="{FF2B5EF4-FFF2-40B4-BE49-F238E27FC236}">
+                  <a16:creationId xmlns:a16="http://schemas.microsoft.com/office/drawing/2014/main" id="{0C9B423E-ED00-118D-6AFD-25FAD1CB0619}"/>
+                </a:ext>
+              </a:extLst>
+            </p:cNvPr>
+            <p:cNvSpPr>
+              <a:spLocks/>
+            </p:cNvSpPr>
+            <p:nvPr/>
+          </p:nvSpPr>
+          <p:spPr>
+            <a:xfrm>
+              <a:off x="4295999" y="1629000"/>
+              <a:ext cx="3600000" cy="3600000"/>
+            </a:xfrm>
+            <a:prstGeom prst="roundRect">
+              <a:avLst/>
+            </a:prstGeom>
+            <a:solidFill>
+              <a:schemeClr val="accent2">
+                <a:lumMod val="40000"/>
+                <a:lumOff val="60000"/>
+              </a:schemeClr>
+            </a:solidFill>
+            <a:ln>
+              <a:noFill/>
+            </a:ln>
+          </p:spPr>
+          <p:style>
+            <a:lnRef idx="2">
+              <a:schemeClr val="accent1">
+                <a:shade val="50000"/>
+              </a:schemeClr>
+            </a:lnRef>
+            <a:fillRef idx="1">
+              <a:schemeClr val="accent1"/>
+            </a:fillRef>
+            <a:effectRef idx="0">
+              <a:schemeClr val="accent1"/>
+            </a:effectRef>
+            <a:fontRef idx="minor">
+              <a:schemeClr val="lt1"/>
+            </a:fontRef>
+          </p:style>
+          <p:txBody>
+            <a:bodyPr rtlCol="0" anchor="ctr"/>
+            <a:lstStyle/>
+            <a:p>
+              <a:pPr algn="ctr"/>
+              <a:endParaRPr kumimoji="1" lang="ko-Kore-KR" altLang="en-US" sz="4400" dirty="0">
+                <a:latin typeface="Hancom MalangMalang Regular" panose="020F0303000000000000" pitchFamily="34" charset="-127"/>
+                <a:ea typeface="Hancom MalangMalang Regular" panose="020F0303000000000000" pitchFamily="34" charset="-127"/>
+              </a:endParaRPr>
+            </a:p>
+          </p:txBody>
+        </p:sp>
+        <p:pic>
+          <p:nvPicPr>
+            <p:cNvPr id="7" name="그래픽 6" descr="오른쪽을 가리키는 검지  단색으로 채워진">
+              <a:extLst>
+                <a:ext uri="{FF2B5EF4-FFF2-40B4-BE49-F238E27FC236}">
+                  <a16:creationId xmlns:a16="http://schemas.microsoft.com/office/drawing/2014/main" id="{75D57A8D-5F2D-F530-707D-7A5B1F1D3D3F}"/>
+                </a:ext>
+              </a:extLst>
+            </p:cNvPr>
+            <p:cNvPicPr>
+              <a:picLocks noChangeAspect="1"/>
+            </p:cNvPicPr>
+            <p:nvPr/>
+          </p:nvPicPr>
+          <p:blipFill>
+            <a:blip r:embed="rId2">
+              <a:extLst>
+                <a:ext uri="{96DAC541-7B7A-43D3-8B79-37D633B846F1}">
+                  <asvg:svgBlip xmlns:asvg="http://schemas.microsoft.com/office/drawing/2016/SVG/main" r:embed="rId3"/>
+                </a:ext>
+              </a:extLst>
+            </a:blip>
+            <a:stretch>
+              <a:fillRect/>
+            </a:stretch>
+          </p:blipFill>
+          <p:spPr>
+            <a:xfrm rot="14189721">
+              <a:off x="5540603" y="3578286"/>
+              <a:ext cx="1085673" cy="1085673"/>
+            </a:xfrm>
+            <a:prstGeom prst="rect">
+              <a:avLst/>
+            </a:prstGeom>
+          </p:spPr>
+        </p:pic>
+        <p:sp>
+          <p:nvSpPr>
+            <p:cNvPr id="8" name="TextBox 7">
+              <a:extLst>
+                <a:ext uri="{FF2B5EF4-FFF2-40B4-BE49-F238E27FC236}">
+                  <a16:creationId xmlns:a16="http://schemas.microsoft.com/office/drawing/2014/main" id="{EF508A0D-C85C-958A-68A3-324D59C59781}"/>
+                </a:ext>
+              </a:extLst>
+            </p:cNvPr>
+            <p:cNvSpPr txBox="1"/>
+            <p:nvPr/>
+          </p:nvSpPr>
+          <p:spPr>
+            <a:xfrm>
+              <a:off x="4233058" y="2719111"/>
+              <a:ext cx="3725883" cy="1692771"/>
+            </a:xfrm>
+            <a:prstGeom prst="rect">
+              <a:avLst/>
+            </a:prstGeom>
+            <a:noFill/>
+          </p:spPr>
+          <p:txBody>
+            <a:bodyPr wrap="square" rtlCol="0" anchor="ctr" anchorCtr="1">
+              <a:spAutoFit/>
+            </a:bodyPr>
+            <a:lstStyle/>
+            <a:p>
+              <a:pPr algn="ctr"/>
+              <a:r>
+                <a:rPr kumimoji="1" lang="ko-Kore-KR" altLang="en-US" sz="7200" dirty="0">
+                  <a:solidFill>
+                    <a:schemeClr val="bg1"/>
+                  </a:solidFill>
+                  <a:latin typeface="Hancom MalangMalang Regular" panose="020F0303000000000000" pitchFamily="34" charset="-127"/>
+                  <a:ea typeface="Hancom MalangMalang Regular" panose="020F0303000000000000" pitchFamily="34" charset="-127"/>
+                </a:rPr>
+                <a:t>머</a:t>
+              </a:r>
+              <a:r>
+                <a:rPr kumimoji="1" lang="ko-Kore-KR" altLang="en-US" sz="4400" dirty="0">
+                  <a:solidFill>
+                    <a:schemeClr val="bg1"/>
+                  </a:solidFill>
+                  <a:latin typeface="Hancom MalangMalang Regular" panose="020F0303000000000000" pitchFamily="34" charset="-127"/>
+                  <a:ea typeface="Hancom MalangMalang Regular" panose="020F0303000000000000" pitchFamily="34" charset="-127"/>
+                </a:rPr>
+                <a:t>라카노</a:t>
+              </a:r>
+            </a:p>
+            <a:p>
+              <a:pPr algn="ctr"/>
+              <a:endParaRPr kumimoji="1" lang="ko-Kore-KR" altLang="en-US" sz="3200" dirty="0"/>
+            </a:p>
+          </p:txBody>
+        </p:sp>
+        <p:pic>
+          <p:nvPicPr>
+            <p:cNvPr id="9" name="그래픽 8" descr="태그 단색으로 채워진">
+              <a:extLst>
+                <a:ext uri="{FF2B5EF4-FFF2-40B4-BE49-F238E27FC236}">
+                  <a16:creationId xmlns:a16="http://schemas.microsoft.com/office/drawing/2014/main" id="{86A928D1-37F2-9E58-C4F6-6A87102EF08C}"/>
+                </a:ext>
+              </a:extLst>
+            </p:cNvPr>
+            <p:cNvPicPr>
+              <a:picLocks noChangeAspect="1"/>
+            </p:cNvPicPr>
+            <p:nvPr/>
+          </p:nvPicPr>
+          <p:blipFill>
+            <a:blip r:embed="rId4">
+              <a:extLst>
+                <a:ext uri="{96DAC541-7B7A-43D3-8B79-37D633B846F1}">
+                  <asvg:svgBlip xmlns:asvg="http://schemas.microsoft.com/office/drawing/2016/SVG/main" r:embed="rId5"/>
+                </a:ext>
+              </a:extLst>
+            </a:blip>
+            <a:stretch>
+              <a:fillRect/>
+            </a:stretch>
+          </p:blipFill>
+          <p:spPr>
+            <a:xfrm rot="20421547">
+              <a:off x="6413500" y="4106238"/>
+              <a:ext cx="825509" cy="825509"/>
+            </a:xfrm>
+            <a:prstGeom prst="rect">
+              <a:avLst/>
+            </a:prstGeom>
+          </p:spPr>
+        </p:pic>
+      </p:grpSp>
     </p:spTree>
     <p:extLst>
       <p:ext uri="{BB962C8B-B14F-4D97-AF65-F5344CB8AC3E}">
         <p14:creationId xmlns:p14="http://schemas.microsoft.com/office/powerpoint/2010/main" val="592261945"/>
+      </p:ext>
+    </p:extLst>
+  </p:cSld>
+  <p:clrMapOvr>
+    <a:masterClrMapping/>
+  </p:clrMapOvr>
+</p:sld>
+</file>
+
+<file path=ppt/slides/slide6.xml><?xml version="1.0" encoding="utf-8"?>
+<p:sld xmlns:a="http://schemas.openxmlformats.org/drawingml/2006/main" xmlns:r="http://schemas.openxmlformats.org/officeDocument/2006/relationships" xmlns:p="http://schemas.openxmlformats.org/presentationml/2006/main">
+  <p:cSld>
+    <p:spTree>
+      <p:nvGrpSpPr>
+        <p:cNvPr id="1" name=""/>
+        <p:cNvGrpSpPr/>
+        <p:nvPr/>
+      </p:nvGrpSpPr>
+      <p:grpSpPr>
+        <a:xfrm>
+          <a:off x="0" y="0"/>
+          <a:ext cx="0" cy="0"/>
+          <a:chOff x="0" y="0"/>
+          <a:chExt cx="0" cy="0"/>
+        </a:xfrm>
+      </p:grpSpPr>
+      <p:grpSp>
+        <p:nvGrpSpPr>
+          <p:cNvPr id="4" name="그룹 3">
+            <a:extLst>
+              <a:ext uri="{FF2B5EF4-FFF2-40B4-BE49-F238E27FC236}">
+                <a16:creationId xmlns:a16="http://schemas.microsoft.com/office/drawing/2014/main" id="{5C27841E-2834-1D59-3608-1C3CBDC0882C}"/>
+              </a:ext>
+            </a:extLst>
+          </p:cNvPr>
+          <p:cNvGrpSpPr/>
+          <p:nvPr/>
+        </p:nvGrpSpPr>
+        <p:grpSpPr>
+          <a:xfrm>
+            <a:off x="4245090" y="1629000"/>
+            <a:ext cx="3725883" cy="3600000"/>
+            <a:chOff x="4208994" y="1556808"/>
+            <a:chExt cx="3725883" cy="3600000"/>
+          </a:xfrm>
+        </p:grpSpPr>
+        <p:sp>
+          <p:nvSpPr>
+            <p:cNvPr id="5" name="모서리가 둥근 직사각형 4">
+              <a:extLst>
+                <a:ext uri="{FF2B5EF4-FFF2-40B4-BE49-F238E27FC236}">
+                  <a16:creationId xmlns:a16="http://schemas.microsoft.com/office/drawing/2014/main" id="{FCCE5F7A-623A-8936-2C79-60C453E8A3CB}"/>
+                </a:ext>
+              </a:extLst>
+            </p:cNvPr>
+            <p:cNvSpPr>
+              <a:spLocks/>
+            </p:cNvSpPr>
+            <p:nvPr/>
+          </p:nvSpPr>
+          <p:spPr>
+            <a:xfrm>
+              <a:off x="4271935" y="1556808"/>
+              <a:ext cx="3600000" cy="3600000"/>
+            </a:xfrm>
+            <a:prstGeom prst="roundRect">
+              <a:avLst/>
+            </a:prstGeom>
+            <a:solidFill>
+              <a:schemeClr val="accent6">
+                <a:lumMod val="40000"/>
+                <a:lumOff val="60000"/>
+              </a:schemeClr>
+            </a:solidFill>
+            <a:ln>
+              <a:noFill/>
+            </a:ln>
+          </p:spPr>
+          <p:style>
+            <a:lnRef idx="2">
+              <a:schemeClr val="accent1">
+                <a:shade val="50000"/>
+              </a:schemeClr>
+            </a:lnRef>
+            <a:fillRef idx="1">
+              <a:schemeClr val="accent1"/>
+            </a:fillRef>
+            <a:effectRef idx="0">
+              <a:schemeClr val="accent1"/>
+            </a:effectRef>
+            <a:fontRef idx="minor">
+              <a:schemeClr val="lt1"/>
+            </a:fontRef>
+          </p:style>
+          <p:txBody>
+            <a:bodyPr rtlCol="0" anchor="ctr"/>
+            <a:lstStyle/>
+            <a:p>
+              <a:pPr algn="ctr"/>
+              <a:endParaRPr kumimoji="1" lang="ko-Kore-KR" altLang="en-US" sz="4400" dirty="0">
+                <a:latin typeface="Hancom MalangMalang Regular" panose="020F0303000000000000" pitchFamily="34" charset="-127"/>
+                <a:ea typeface="Hancom MalangMalang Regular" panose="020F0303000000000000" pitchFamily="34" charset="-127"/>
+              </a:endParaRPr>
+            </a:p>
+          </p:txBody>
+        </p:sp>
+        <p:pic>
+          <p:nvPicPr>
+            <p:cNvPr id="6" name="그래픽 5" descr="오른쪽을 가리키는 검지  단색으로 채워진">
+              <a:extLst>
+                <a:ext uri="{FF2B5EF4-FFF2-40B4-BE49-F238E27FC236}">
+                  <a16:creationId xmlns:a16="http://schemas.microsoft.com/office/drawing/2014/main" id="{B120C757-366B-E155-3960-F9114C51B130}"/>
+                </a:ext>
+              </a:extLst>
+            </p:cNvPr>
+            <p:cNvPicPr>
+              <a:picLocks noChangeAspect="1"/>
+            </p:cNvPicPr>
+            <p:nvPr/>
+          </p:nvPicPr>
+          <p:blipFill>
+            <a:blip r:embed="rId2">
+              <a:extLst>
+                <a:ext uri="{96DAC541-7B7A-43D3-8B79-37D633B846F1}">
+                  <asvg:svgBlip xmlns:asvg="http://schemas.microsoft.com/office/drawing/2016/SVG/main" r:embed="rId3"/>
+                </a:ext>
+              </a:extLst>
+            </a:blip>
+            <a:stretch>
+              <a:fillRect/>
+            </a:stretch>
+          </p:blipFill>
+          <p:spPr>
+            <a:xfrm rot="14189721">
+              <a:off x="5997805" y="3578286"/>
+              <a:ext cx="1085673" cy="1085673"/>
+            </a:xfrm>
+            <a:prstGeom prst="rect">
+              <a:avLst/>
+            </a:prstGeom>
+          </p:spPr>
+        </p:pic>
+        <p:sp>
+          <p:nvSpPr>
+            <p:cNvPr id="7" name="TextBox 6">
+              <a:extLst>
+                <a:ext uri="{FF2B5EF4-FFF2-40B4-BE49-F238E27FC236}">
+                  <a16:creationId xmlns:a16="http://schemas.microsoft.com/office/drawing/2014/main" id="{1E495179-2DCE-2590-51AE-D7ACC1A1D1B4}"/>
+                </a:ext>
+              </a:extLst>
+            </p:cNvPr>
+            <p:cNvSpPr txBox="1"/>
+            <p:nvPr/>
+          </p:nvSpPr>
+          <p:spPr>
+            <a:xfrm>
+              <a:off x="4208994" y="2462255"/>
+              <a:ext cx="3725883" cy="2062103"/>
+            </a:xfrm>
+            <a:prstGeom prst="rect">
+              <a:avLst/>
+            </a:prstGeom>
+            <a:noFill/>
+          </p:spPr>
+          <p:txBody>
+            <a:bodyPr wrap="square" rtlCol="0" anchor="ctr" anchorCtr="1">
+              <a:spAutoFit/>
+            </a:bodyPr>
+            <a:lstStyle/>
+            <a:p>
+              <a:pPr algn="ctr"/>
+              <a:r>
+                <a:rPr kumimoji="1" lang="ko-Kore-KR" altLang="en-US" sz="8800" dirty="0">
+                  <a:solidFill>
+                    <a:schemeClr val="bg1"/>
+                  </a:solidFill>
+                  <a:latin typeface="Hancom MalangMalang Regular" panose="020F0303000000000000" pitchFamily="34" charset="-127"/>
+                  <a:ea typeface="Hancom MalangMalang Regular" panose="020F0303000000000000" pitchFamily="34" charset="-127"/>
+                </a:rPr>
+                <a:t>뭐</a:t>
+              </a:r>
+              <a:r>
+                <a:rPr kumimoji="1" lang="ko-Kore-KR" altLang="en-US" sz="5400" dirty="0">
+                  <a:solidFill>
+                    <a:schemeClr val="bg1"/>
+                  </a:solidFill>
+                  <a:latin typeface="Hancom MalangMalang Regular" panose="020F0303000000000000" pitchFamily="34" charset="-127"/>
+                  <a:ea typeface="Hancom MalangMalang Regular" panose="020F0303000000000000" pitchFamily="34" charset="-127"/>
+                </a:rPr>
+                <a:t>여</a:t>
+              </a:r>
+            </a:p>
+            <a:p>
+              <a:pPr algn="ctr"/>
+              <a:endParaRPr kumimoji="1" lang="ko-Kore-KR" altLang="en-US" sz="4000" dirty="0"/>
+            </a:p>
+          </p:txBody>
+        </p:sp>
+        <p:pic>
+          <p:nvPicPr>
+            <p:cNvPr id="8" name="그래픽 7" descr="태그 단색으로 채워진">
+              <a:extLst>
+                <a:ext uri="{FF2B5EF4-FFF2-40B4-BE49-F238E27FC236}">
+                  <a16:creationId xmlns:a16="http://schemas.microsoft.com/office/drawing/2014/main" id="{3DEB2EDA-C698-4109-B56C-0B4937515D5C}"/>
+                </a:ext>
+              </a:extLst>
+            </p:cNvPr>
+            <p:cNvPicPr>
+              <a:picLocks noChangeAspect="1"/>
+            </p:cNvPicPr>
+            <p:nvPr/>
+          </p:nvPicPr>
+          <p:blipFill>
+            <a:blip r:embed="rId4">
+              <a:extLst>
+                <a:ext uri="{96DAC541-7B7A-43D3-8B79-37D633B846F1}">
+                  <asvg:svgBlip xmlns:asvg="http://schemas.microsoft.com/office/drawing/2016/SVG/main" r:embed="rId5"/>
+                </a:ext>
+              </a:extLst>
+            </a:blip>
+            <a:stretch>
+              <a:fillRect/>
+            </a:stretch>
+          </p:blipFill>
+          <p:spPr>
+            <a:xfrm rot="20421547">
+              <a:off x="6870702" y="4106238"/>
+              <a:ext cx="825509" cy="825509"/>
+            </a:xfrm>
+            <a:prstGeom prst="rect">
+              <a:avLst/>
+            </a:prstGeom>
+          </p:spPr>
+        </p:pic>
+      </p:grpSp>
+    </p:spTree>
+    <p:extLst>
+      <p:ext uri="{BB962C8B-B14F-4D97-AF65-F5344CB8AC3E}">
+        <p14:creationId xmlns:p14="http://schemas.microsoft.com/office/powerpoint/2010/main" val="3402183188"/>
+      </p:ext>
+    </p:extLst>
+  </p:cSld>
+  <p:clrMapOvr>
+    <a:masterClrMapping/>
+  </p:clrMapOvr>
+</p:sld>
+</file>
+
+<file path=ppt/slides/slide7.xml><?xml version="1.0" encoding="utf-8"?>
+<p:sld xmlns:a="http://schemas.openxmlformats.org/drawingml/2006/main" xmlns:r="http://schemas.openxmlformats.org/officeDocument/2006/relationships" xmlns:p="http://schemas.openxmlformats.org/presentationml/2006/main">
+  <p:cSld>
+    <p:spTree>
+      <p:nvGrpSpPr>
+        <p:cNvPr id="1" name=""/>
+        <p:cNvGrpSpPr/>
+        <p:nvPr/>
+      </p:nvGrpSpPr>
+      <p:grpSpPr>
+        <a:xfrm>
+          <a:off x="0" y="0"/>
+          <a:ext cx="0" cy="0"/>
+          <a:chOff x="0" y="0"/>
+          <a:chExt cx="0" cy="0"/>
+        </a:xfrm>
+      </p:grpSpPr>
+      <p:grpSp>
+        <p:nvGrpSpPr>
+          <p:cNvPr id="4" name="그룹 3">
+            <a:extLst>
+              <a:ext uri="{FF2B5EF4-FFF2-40B4-BE49-F238E27FC236}">
+                <a16:creationId xmlns:a16="http://schemas.microsoft.com/office/drawing/2014/main" id="{5C27841E-2834-1D59-3608-1C3CBDC0882C}"/>
+              </a:ext>
+            </a:extLst>
+          </p:cNvPr>
+          <p:cNvGrpSpPr/>
+          <p:nvPr/>
+        </p:nvGrpSpPr>
+        <p:grpSpPr>
+          <a:xfrm>
+            <a:off x="4245090" y="1629000"/>
+            <a:ext cx="3725883" cy="3600000"/>
+            <a:chOff x="4208994" y="1556808"/>
+            <a:chExt cx="3725883" cy="3600000"/>
+          </a:xfrm>
+        </p:grpSpPr>
+        <p:sp>
+          <p:nvSpPr>
+            <p:cNvPr id="5" name="모서리가 둥근 직사각형 4">
+              <a:extLst>
+                <a:ext uri="{FF2B5EF4-FFF2-40B4-BE49-F238E27FC236}">
+                  <a16:creationId xmlns:a16="http://schemas.microsoft.com/office/drawing/2014/main" id="{FCCE5F7A-623A-8936-2C79-60C453E8A3CB}"/>
+                </a:ext>
+              </a:extLst>
+            </p:cNvPr>
+            <p:cNvSpPr>
+              <a:spLocks/>
+            </p:cNvSpPr>
+            <p:nvPr/>
+          </p:nvSpPr>
+          <p:spPr>
+            <a:xfrm>
+              <a:off x="4271935" y="1556808"/>
+              <a:ext cx="3600000" cy="3600000"/>
+            </a:xfrm>
+            <a:prstGeom prst="roundRect">
+              <a:avLst/>
+            </a:prstGeom>
+            <a:solidFill>
+              <a:srgbClr val="F2BDF9"/>
+            </a:solidFill>
+            <a:ln>
+              <a:noFill/>
+            </a:ln>
+          </p:spPr>
+          <p:style>
+            <a:lnRef idx="2">
+              <a:schemeClr val="accent1">
+                <a:shade val="50000"/>
+              </a:schemeClr>
+            </a:lnRef>
+            <a:fillRef idx="1">
+              <a:schemeClr val="accent1"/>
+            </a:fillRef>
+            <a:effectRef idx="0">
+              <a:schemeClr val="accent1"/>
+            </a:effectRef>
+            <a:fontRef idx="minor">
+              <a:schemeClr val="lt1"/>
+            </a:fontRef>
+          </p:style>
+          <p:txBody>
+            <a:bodyPr rtlCol="0" anchor="ctr"/>
+            <a:lstStyle/>
+            <a:p>
+              <a:pPr algn="ctr"/>
+              <a:endParaRPr kumimoji="1" lang="ko-Kore-KR" altLang="en-US" sz="4400" dirty="0">
+                <a:latin typeface="Hancom MalangMalang Regular" panose="020F0303000000000000" pitchFamily="34" charset="-127"/>
+                <a:ea typeface="Hancom MalangMalang Regular" panose="020F0303000000000000" pitchFamily="34" charset="-127"/>
+              </a:endParaRPr>
+            </a:p>
+          </p:txBody>
+        </p:sp>
+        <p:pic>
+          <p:nvPicPr>
+            <p:cNvPr id="6" name="그래픽 5" descr="오른쪽을 가리키는 검지  단색으로 채워진">
+              <a:extLst>
+                <a:ext uri="{FF2B5EF4-FFF2-40B4-BE49-F238E27FC236}">
+                  <a16:creationId xmlns:a16="http://schemas.microsoft.com/office/drawing/2014/main" id="{B120C757-366B-E155-3960-F9114C51B130}"/>
+                </a:ext>
+              </a:extLst>
+            </p:cNvPr>
+            <p:cNvPicPr>
+              <a:picLocks noChangeAspect="1"/>
+            </p:cNvPicPr>
+            <p:nvPr/>
+          </p:nvPicPr>
+          <p:blipFill>
+            <a:blip r:embed="rId2">
+              <a:extLst>
+                <a:ext uri="{96DAC541-7B7A-43D3-8B79-37D633B846F1}">
+                  <asvg:svgBlip xmlns:asvg="http://schemas.microsoft.com/office/drawing/2016/SVG/main" r:embed="rId3"/>
+                </a:ext>
+              </a:extLst>
+            </a:blip>
+            <a:stretch>
+              <a:fillRect/>
+            </a:stretch>
+          </p:blipFill>
+          <p:spPr>
+            <a:xfrm rot="14189721">
+              <a:off x="5865454" y="3578286"/>
+              <a:ext cx="1085673" cy="1085673"/>
+            </a:xfrm>
+            <a:prstGeom prst="rect">
+              <a:avLst/>
+            </a:prstGeom>
+          </p:spPr>
+        </p:pic>
+        <p:sp>
+          <p:nvSpPr>
+            <p:cNvPr id="7" name="TextBox 6">
+              <a:extLst>
+                <a:ext uri="{FF2B5EF4-FFF2-40B4-BE49-F238E27FC236}">
+                  <a16:creationId xmlns:a16="http://schemas.microsoft.com/office/drawing/2014/main" id="{1E495179-2DCE-2590-51AE-D7ACC1A1D1B4}"/>
+                </a:ext>
+              </a:extLst>
+            </p:cNvPr>
+            <p:cNvSpPr txBox="1"/>
+            <p:nvPr/>
+          </p:nvSpPr>
+          <p:spPr>
+            <a:xfrm>
+              <a:off x="4208994" y="2462255"/>
+              <a:ext cx="3725883" cy="2062103"/>
+            </a:xfrm>
+            <a:prstGeom prst="rect">
+              <a:avLst/>
+            </a:prstGeom>
+            <a:noFill/>
+          </p:spPr>
+          <p:txBody>
+            <a:bodyPr wrap="square" rtlCol="0" anchor="ctr" anchorCtr="1">
+              <a:spAutoFit/>
+            </a:bodyPr>
+            <a:lstStyle/>
+            <a:p>
+              <a:pPr algn="ctr"/>
+              <a:r>
+                <a:rPr kumimoji="1" lang="ko-Kore-KR" altLang="en-US" sz="8800" dirty="0">
+                  <a:solidFill>
+                    <a:schemeClr val="bg1"/>
+                  </a:solidFill>
+                  <a:latin typeface="Hancom MalangMalang Regular" panose="020F0303000000000000" pitchFamily="34" charset="-127"/>
+                  <a:ea typeface="Hancom MalangMalang Regular" panose="020F0303000000000000" pitchFamily="34" charset="-127"/>
+                </a:rPr>
+                <a:t>뭐</a:t>
+              </a:r>
+              <a:r>
+                <a:rPr kumimoji="1" lang="ko-Kore-KR" altLang="en-US" sz="5400" dirty="0">
+                  <a:solidFill>
+                    <a:schemeClr val="bg1"/>
+                  </a:solidFill>
+                  <a:latin typeface="Hancom MalangMalang Regular" panose="020F0303000000000000" pitchFamily="34" charset="-127"/>
+                  <a:ea typeface="Hancom MalangMalang Regular" panose="020F0303000000000000" pitchFamily="34" charset="-127"/>
+                </a:rPr>
+                <a:t>하멘</a:t>
+              </a:r>
+            </a:p>
+            <a:p>
+              <a:pPr algn="ctr"/>
+              <a:endParaRPr kumimoji="1" lang="ko-Kore-KR" altLang="en-US" sz="4000" dirty="0"/>
+            </a:p>
+          </p:txBody>
+        </p:sp>
+        <p:pic>
+          <p:nvPicPr>
+            <p:cNvPr id="8" name="그래픽 7" descr="태그 단색으로 채워진">
+              <a:extLst>
+                <a:ext uri="{FF2B5EF4-FFF2-40B4-BE49-F238E27FC236}">
+                  <a16:creationId xmlns:a16="http://schemas.microsoft.com/office/drawing/2014/main" id="{3DEB2EDA-C698-4109-B56C-0B4937515D5C}"/>
+                </a:ext>
+              </a:extLst>
+            </p:cNvPr>
+            <p:cNvPicPr>
+              <a:picLocks noChangeAspect="1"/>
+            </p:cNvPicPr>
+            <p:nvPr/>
+          </p:nvPicPr>
+          <p:blipFill>
+            <a:blip r:embed="rId4">
+              <a:extLst>
+                <a:ext uri="{96DAC541-7B7A-43D3-8B79-37D633B846F1}">
+                  <asvg:svgBlip xmlns:asvg="http://schemas.microsoft.com/office/drawing/2016/SVG/main" r:embed="rId5"/>
+                </a:ext>
+              </a:extLst>
+            </a:blip>
+            <a:stretch>
+              <a:fillRect/>
+            </a:stretch>
+          </p:blipFill>
+          <p:spPr>
+            <a:xfrm rot="20421547">
+              <a:off x="6738351" y="4106238"/>
+              <a:ext cx="825509" cy="825509"/>
+            </a:xfrm>
+            <a:prstGeom prst="rect">
+              <a:avLst/>
+            </a:prstGeom>
+          </p:spPr>
+        </p:pic>
+      </p:grpSp>
+    </p:spTree>
+    <p:extLst>
+      <p:ext uri="{BB962C8B-B14F-4D97-AF65-F5344CB8AC3E}">
+        <p14:creationId xmlns:p14="http://schemas.microsoft.com/office/powerpoint/2010/main" val="2891889565"/>
       </p:ext>
     </p:extLst>
   </p:cSld>

--- a/유경_로고.pptx
+++ b/유경_로고.pptx
@@ -4361,59 +4361,6 @@
           <a:chExt cx="0" cy="0"/>
         </a:xfrm>
       </p:grpSpPr>
-      <p:sp>
-        <p:nvSpPr>
-          <p:cNvPr id="4" name="TextBox 3">
-            <a:extLst>
-              <a:ext uri="{FF2B5EF4-FFF2-40B4-BE49-F238E27FC236}">
-                <a16:creationId xmlns:a16="http://schemas.microsoft.com/office/drawing/2014/main" id="{69744FA8-373D-6935-BA6B-EEFEBAFD25ED}"/>
-              </a:ext>
-            </a:extLst>
-          </p:cNvPr>
-          <p:cNvSpPr txBox="1"/>
-          <p:nvPr/>
-        </p:nvSpPr>
-        <p:spPr>
-          <a:xfrm>
-            <a:off x="1726320" y="316925"/>
-            <a:ext cx="6099586" cy="1200329"/>
-          </a:xfrm>
-          <a:prstGeom prst="rect">
-            <a:avLst/>
-          </a:prstGeom>
-          <a:noFill/>
-        </p:spPr>
-        <p:txBody>
-          <a:bodyPr wrap="square">
-            <a:spAutoFit/>
-          </a:bodyPr>
-          <a:lstStyle/>
-          <a:p>
-            <a:r>
-              <a:rPr lang="ko-Kore-KR" altLang="en-US" dirty="0"/>
-              <a:t>경상도</a:t>
-            </a:r>
-          </a:p>
-          <a:p>
-            <a:r>
-              <a:rPr lang="ko-Kore-KR" altLang="en-US" dirty="0"/>
-              <a:t>머라카노 - 뭐라고</a:t>
-            </a:r>
-          </a:p>
-          <a:p>
-            <a:r>
-              <a:rPr lang="ko-Kore-KR" altLang="en-US" dirty="0"/>
-              <a:t>만다꼬, 만다그라노 - 뭐한다고</a:t>
-            </a:r>
-          </a:p>
-          <a:p>
-            <a:r>
-              <a:rPr lang="ko-Kore-KR" altLang="en-US" dirty="0"/>
-              <a:t>우야꼬, 우짜고 - 어떻게 할까, 어찌할까</a:t>
-            </a:r>
-          </a:p>
-        </p:txBody>
-      </p:sp>
       <p:grpSp>
         <p:nvGrpSpPr>
           <p:cNvPr id="5" name="그룹 4">
